--- a/Update11sept.pptx
+++ b/Update11sept.pptx
@@ -3787,8 +3787,8 @@
         </p:blipFill>
         <p:spPr>
           <a:xfrm>
-            <a:off x="2654300" y="930221"/>
-            <a:ext cx="5559802" cy="4519280"/>
+            <a:off x="2654300" y="791426"/>
+            <a:ext cx="6489700" cy="5275147"/>
           </a:xfrm>
           <a:prstGeom prst="rect">
             <a:avLst/>
@@ -3999,6 +3999,14 @@
 <file path=ppt/slides/slide4.xml><?xml version="1.0" encoding="utf-8"?>
 <p:sld xmlns:a="http://schemas.openxmlformats.org/drawingml/2006/main" xmlns:r="http://schemas.openxmlformats.org/officeDocument/2006/relationships" xmlns:p="http://schemas.openxmlformats.org/presentationml/2006/main">
   <p:cSld>
+    <p:bg>
+      <p:bgPr>
+        <a:solidFill>
+          <a:schemeClr val="bg1"/>
+        </a:solidFill>
+        <a:effectLst/>
+      </p:bgPr>
+    </p:bg>
     <p:spTree>
       <p:nvGrpSpPr>
         <p:cNvPr id="1" name=""/>
@@ -4013,12 +4021,149 @@
           <a:chExt cx="0" cy="0"/>
         </a:xfrm>
       </p:grpSpPr>
+      <p:sp>
+        <p:nvSpPr>
+          <p:cNvPr id="16" name="Rectangle 15">
+            <a:extLst>
+              <a:ext uri="{FF2B5EF4-FFF2-40B4-BE49-F238E27FC236}">
+                <a16:creationId xmlns:a16="http://schemas.microsoft.com/office/drawing/2014/main" id="{A9F529C3-C941-49FD-8C67-82F134F64BDB}"/>
+              </a:ext>
+              <a:ext uri="{C183D7F6-B498-43B3-948B-1728B52AA6E4}">
+                <adec:decorative xmlns:adec="http://schemas.microsoft.com/office/drawing/2017/decorative" val="1"/>
+              </a:ext>
+            </a:extLst>
+          </p:cNvPr>
+          <p:cNvSpPr>
+            <a:spLocks noGrp="1" noRot="1" noChangeAspect="1" noMove="1" noResize="1" noEditPoints="1" noAdjustHandles="1" noChangeArrowheads="1" noChangeShapeType="1" noTextEdit="1"/>
+          </p:cNvSpPr>
+          <p:nvPr>
+            <p:extLst>
+              <p:ext uri="{386F3935-93C4-4BCD-93E2-E3B085C9AB24}">
+                <p16:designElem xmlns:p16="http://schemas.microsoft.com/office/powerpoint/2015/main" val="1"/>
+              </p:ext>
+            </p:extLst>
+          </p:nvPr>
+        </p:nvSpPr>
+        <p:spPr>
+          <a:xfrm>
+            <a:off x="0" y="0"/>
+            <a:ext cx="12192000" cy="6858000"/>
+          </a:xfrm>
+          <a:prstGeom prst="rect">
+            <a:avLst/>
+          </a:prstGeom>
+          <a:solidFill>
+            <a:schemeClr val="tx1">
+              <a:lumMod val="50000"/>
+              <a:lumOff val="50000"/>
+              <a:alpha val="30000"/>
+            </a:schemeClr>
+          </a:solidFill>
+          <a:ln>
+            <a:noFill/>
+          </a:ln>
+        </p:spPr>
+        <p:style>
+          <a:lnRef idx="2">
+            <a:schemeClr val="accent1">
+              <a:shade val="50000"/>
+            </a:schemeClr>
+          </a:lnRef>
+          <a:fillRef idx="1">
+            <a:schemeClr val="accent1"/>
+          </a:fillRef>
+          <a:effectRef idx="0">
+            <a:schemeClr val="accent1"/>
+          </a:effectRef>
+          <a:fontRef idx="minor">
+            <a:schemeClr val="lt1"/>
+          </a:fontRef>
+        </p:style>
+        <p:txBody>
+          <a:bodyPr rtlCol="0" anchor="ctr"/>
+          <a:lstStyle/>
+          <a:p>
+            <a:pPr algn="ctr"/>
+            <a:endParaRPr lang="en-US"/>
+          </a:p>
+        </p:txBody>
+      </p:sp>
+      <p:sp>
+        <p:nvSpPr>
+          <p:cNvPr id="18" name="Rectangle 17">
+            <a:extLst>
+              <a:ext uri="{FF2B5EF4-FFF2-40B4-BE49-F238E27FC236}">
+                <a16:creationId xmlns:a16="http://schemas.microsoft.com/office/drawing/2014/main" id="{20586029-32A0-47E5-9AEC-AE3ABA6B94D0}"/>
+              </a:ext>
+              <a:ext uri="{C183D7F6-B498-43B3-948B-1728B52AA6E4}">
+                <adec:decorative xmlns:adec="http://schemas.microsoft.com/office/drawing/2017/decorative" val="1"/>
+              </a:ext>
+            </a:extLst>
+          </p:cNvPr>
+          <p:cNvSpPr>
+            <a:spLocks noGrp="1" noRot="1" noChangeAspect="1" noMove="1" noResize="1" noEditPoints="1" noAdjustHandles="1" noChangeArrowheads="1" noChangeShapeType="1" noTextEdit="1"/>
+          </p:cNvSpPr>
+          <p:nvPr>
+            <p:extLst>
+              <p:ext uri="{386F3935-93C4-4BCD-93E2-E3B085C9AB24}">
+                <p16:designElem xmlns:p16="http://schemas.microsoft.com/office/powerpoint/2015/main" val="1"/>
+              </p:ext>
+            </p:extLst>
+          </p:nvPr>
+        </p:nvSpPr>
+        <p:spPr>
+          <a:xfrm>
+            <a:off x="477012" y="480060"/>
+            <a:ext cx="11237976" cy="5897880"/>
+          </a:xfrm>
+          <a:prstGeom prst="rect">
+            <a:avLst/>
+          </a:prstGeom>
+          <a:solidFill>
+            <a:srgbClr val="FFFFFF"/>
+          </a:solidFill>
+          <a:ln w="9525">
+            <a:noFill/>
+          </a:ln>
+          <a:effectLst>
+            <a:outerShdw blurRad="63500" dist="17780" dir="5400000" algn="t" rotWithShape="0">
+              <a:prstClr val="black">
+                <a:alpha val="43000"/>
+              </a:prstClr>
+            </a:outerShdw>
+          </a:effectLst>
+        </p:spPr>
+        <p:style>
+          <a:lnRef idx="2">
+            <a:schemeClr val="accent1">
+              <a:shade val="50000"/>
+            </a:schemeClr>
+          </a:lnRef>
+          <a:fillRef idx="1">
+            <a:schemeClr val="accent1"/>
+          </a:fillRef>
+          <a:effectRef idx="0">
+            <a:schemeClr val="accent1"/>
+          </a:effectRef>
+          <a:fontRef idx="minor">
+            <a:schemeClr val="lt1"/>
+          </a:fontRef>
+        </p:style>
+        <p:txBody>
+          <a:bodyPr rtlCol="0" anchor="ctr"/>
+          <a:lstStyle/>
+          <a:p>
+            <a:pPr algn="ctr"/>
+            <a:endParaRPr lang="en-US"/>
+          </a:p>
+        </p:txBody>
+      </p:sp>
       <p:pic>
         <p:nvPicPr>
-          <p:cNvPr id="5" name="Picture 4" descr="A graph of a number of numbers&#10;&#10;Description automatically generated with medium confidence">
-            <a:extLst>
-              <a:ext uri="{FF2B5EF4-FFF2-40B4-BE49-F238E27FC236}">
-                <a16:creationId xmlns:a16="http://schemas.microsoft.com/office/drawing/2014/main" id="{D02DC9C1-5F79-00D7-B633-D7CAFF6A0B5F}"/>
+          <p:cNvPr id="11" name="Picture 10">
+            <a:extLst>
+              <a:ext uri="{FF2B5EF4-FFF2-40B4-BE49-F238E27FC236}">
+                <a16:creationId xmlns:a16="http://schemas.microsoft.com/office/drawing/2014/main" id="{3606C3C5-6FE7-ECD6-4A17-68417970A3B0}"/>
               </a:ext>
             </a:extLst>
           </p:cNvPr>
@@ -4035,14 +4180,66 @@
         </p:blipFill>
         <p:spPr>
           <a:xfrm>
-            <a:off x="457200" y="1866900"/>
-            <a:ext cx="5376333" cy="4032250"/>
+            <a:off x="643467" y="1445182"/>
+            <a:ext cx="5294716" cy="3967634"/>
           </a:xfrm>
           <a:prstGeom prst="rect">
             <a:avLst/>
           </a:prstGeom>
         </p:spPr>
       </p:pic>
+      <p:cxnSp>
+        <p:nvCxnSpPr>
+          <p:cNvPr id="20" name="Straight Connector 19">
+            <a:extLst>
+              <a:ext uri="{FF2B5EF4-FFF2-40B4-BE49-F238E27FC236}">
+                <a16:creationId xmlns:a16="http://schemas.microsoft.com/office/drawing/2014/main" id="{8C730EAB-A532-4295-A302-FB4B90DB9F5E}"/>
+              </a:ext>
+              <a:ext uri="{C183D7F6-B498-43B3-948B-1728B52AA6E4}">
+                <adec:decorative xmlns:adec="http://schemas.microsoft.com/office/drawing/2017/decorative" val="1"/>
+              </a:ext>
+            </a:extLst>
+          </p:cNvPr>
+          <p:cNvCxnSpPr>
+            <a:cxnSpLocks noGrp="1" noRot="1" noChangeAspect="1" noMove="1" noResize="1" noEditPoints="1" noAdjustHandles="1" noChangeArrowheads="1" noChangeShapeType="1"/>
+          </p:cNvCxnSpPr>
+          <p:nvPr>
+            <p:extLst>
+              <p:ext uri="{386F3935-93C4-4BCD-93E2-E3B085C9AB24}">
+                <p16:designElem xmlns:p16="http://schemas.microsoft.com/office/powerpoint/2015/main" val="1"/>
+              </p:ext>
+            </p:extLst>
+          </p:nvPr>
+        </p:nvCxnSpPr>
+        <p:spPr>
+          <a:xfrm>
+            <a:off x="6079958" y="1143000"/>
+            <a:ext cx="0" cy="4572000"/>
+          </a:xfrm>
+          <a:prstGeom prst="line">
+            <a:avLst/>
+          </a:prstGeom>
+          <a:ln>
+            <a:solidFill>
+              <a:srgbClr val="4E4E4E"/>
+            </a:solidFill>
+          </a:ln>
+        </p:spPr>
+        <p:style>
+          <a:lnRef idx="1">
+            <a:schemeClr val="accent1"/>
+          </a:lnRef>
+          <a:fillRef idx="0">
+            <a:schemeClr val="accent1"/>
+          </a:fillRef>
+          <a:effectRef idx="0">
+            <a:schemeClr val="accent1"/>
+          </a:effectRef>
+          <a:fontRef idx="minor">
+            <a:schemeClr val="tx1"/>
+          </a:fontRef>
+        </p:style>
+      </p:cxnSp>
       <p:pic>
         <p:nvPicPr>
           <p:cNvPr id="9" name="Picture 8">
@@ -4065,8 +4262,8 @@
         </p:blipFill>
         <p:spPr>
           <a:xfrm>
-            <a:off x="6096000" y="1768475"/>
-            <a:ext cx="5638800" cy="4229100"/>
+            <a:off x="6253817" y="1445183"/>
+            <a:ext cx="5294715" cy="3967633"/>
           </a:xfrm>
           <a:prstGeom prst="rect">
             <a:avLst/>
@@ -4111,149 +4308,12 @@
           <a:chExt cx="0" cy="0"/>
         </a:xfrm>
       </p:grpSpPr>
-      <p:sp>
-        <p:nvSpPr>
-          <p:cNvPr id="10" name="Rectangle 9">
-            <a:extLst>
-              <a:ext uri="{FF2B5EF4-FFF2-40B4-BE49-F238E27FC236}">
-                <a16:creationId xmlns:a16="http://schemas.microsoft.com/office/drawing/2014/main" id="{A9F529C3-C941-49FD-8C67-82F134F64BDB}"/>
-              </a:ext>
-              <a:ext uri="{C183D7F6-B498-43B3-948B-1728B52AA6E4}">
-                <adec:decorative xmlns:adec="http://schemas.microsoft.com/office/drawing/2017/decorative" val="1"/>
-              </a:ext>
-            </a:extLst>
-          </p:cNvPr>
-          <p:cNvSpPr>
-            <a:spLocks noGrp="1" noRot="1" noChangeAspect="1" noMove="1" noResize="1" noEditPoints="1" noAdjustHandles="1" noChangeArrowheads="1" noChangeShapeType="1" noTextEdit="1"/>
-          </p:cNvSpPr>
-          <p:nvPr>
-            <p:extLst>
-              <p:ext uri="{386F3935-93C4-4BCD-93E2-E3B085C9AB24}">
-                <p16:designElem xmlns:p16="http://schemas.microsoft.com/office/powerpoint/2015/main" val="1"/>
-              </p:ext>
-            </p:extLst>
-          </p:nvPr>
-        </p:nvSpPr>
-        <p:spPr>
-          <a:xfrm>
-            <a:off x="0" y="0"/>
-            <a:ext cx="12192000" cy="6858000"/>
-          </a:xfrm>
-          <a:prstGeom prst="rect">
-            <a:avLst/>
-          </a:prstGeom>
-          <a:solidFill>
-            <a:schemeClr val="tx1">
-              <a:lumMod val="50000"/>
-              <a:lumOff val="50000"/>
-              <a:alpha val="30000"/>
-            </a:schemeClr>
-          </a:solidFill>
-          <a:ln>
-            <a:noFill/>
-          </a:ln>
-        </p:spPr>
-        <p:style>
-          <a:lnRef idx="2">
-            <a:schemeClr val="accent1">
-              <a:shade val="50000"/>
-            </a:schemeClr>
-          </a:lnRef>
-          <a:fillRef idx="1">
-            <a:schemeClr val="accent1"/>
-          </a:fillRef>
-          <a:effectRef idx="0">
-            <a:schemeClr val="accent1"/>
-          </a:effectRef>
-          <a:fontRef idx="minor">
-            <a:schemeClr val="lt1"/>
-          </a:fontRef>
-        </p:style>
-        <p:txBody>
-          <a:bodyPr rtlCol="0" anchor="ctr"/>
-          <a:lstStyle/>
-          <a:p>
-            <a:pPr algn="ctr"/>
-            <a:endParaRPr lang="en-US"/>
-          </a:p>
-        </p:txBody>
-      </p:sp>
-      <p:sp>
-        <p:nvSpPr>
-          <p:cNvPr id="12" name="Rectangle 11">
-            <a:extLst>
-              <a:ext uri="{FF2B5EF4-FFF2-40B4-BE49-F238E27FC236}">
-                <a16:creationId xmlns:a16="http://schemas.microsoft.com/office/drawing/2014/main" id="{20586029-32A0-47E5-9AEC-AE3ABA6B94D0}"/>
-              </a:ext>
-              <a:ext uri="{C183D7F6-B498-43B3-948B-1728B52AA6E4}">
-                <adec:decorative xmlns:adec="http://schemas.microsoft.com/office/drawing/2017/decorative" val="1"/>
-              </a:ext>
-            </a:extLst>
-          </p:cNvPr>
-          <p:cNvSpPr>
-            <a:spLocks noGrp="1" noRot="1" noChangeAspect="1" noMove="1" noResize="1" noEditPoints="1" noAdjustHandles="1" noChangeArrowheads="1" noChangeShapeType="1" noTextEdit="1"/>
-          </p:cNvSpPr>
-          <p:nvPr>
-            <p:extLst>
-              <p:ext uri="{386F3935-93C4-4BCD-93E2-E3B085C9AB24}">
-                <p16:designElem xmlns:p16="http://schemas.microsoft.com/office/powerpoint/2015/main" val="1"/>
-              </p:ext>
-            </p:extLst>
-          </p:nvPr>
-        </p:nvSpPr>
-        <p:spPr>
-          <a:xfrm>
-            <a:off x="477012" y="480060"/>
-            <a:ext cx="11237976" cy="5897880"/>
-          </a:xfrm>
-          <a:prstGeom prst="rect">
-            <a:avLst/>
-          </a:prstGeom>
-          <a:solidFill>
-            <a:srgbClr val="FFFFFF"/>
-          </a:solidFill>
-          <a:ln w="9525">
-            <a:noFill/>
-          </a:ln>
-          <a:effectLst>
-            <a:outerShdw blurRad="63500" dist="17780" dir="5400000" algn="t" rotWithShape="0">
-              <a:prstClr val="black">
-                <a:alpha val="43000"/>
-              </a:prstClr>
-            </a:outerShdw>
-          </a:effectLst>
-        </p:spPr>
-        <p:style>
-          <a:lnRef idx="2">
-            <a:schemeClr val="accent1">
-              <a:shade val="50000"/>
-            </a:schemeClr>
-          </a:lnRef>
-          <a:fillRef idx="1">
-            <a:schemeClr val="accent1"/>
-          </a:fillRef>
-          <a:effectRef idx="0">
-            <a:schemeClr val="accent1"/>
-          </a:effectRef>
-          <a:fontRef idx="minor">
-            <a:schemeClr val="lt1"/>
-          </a:fontRef>
-        </p:style>
-        <p:txBody>
-          <a:bodyPr rtlCol="0" anchor="ctr"/>
-          <a:lstStyle/>
-          <a:p>
-            <a:pPr algn="ctr"/>
-            <a:endParaRPr lang="en-US"/>
-          </a:p>
-        </p:txBody>
-      </p:sp>
       <p:pic>
         <p:nvPicPr>
-          <p:cNvPr id="3" name="Picture 2" descr="A graph showing the time and time&#10;&#10;Description automatically generated with medium confidence">
-            <a:extLst>
-              <a:ext uri="{FF2B5EF4-FFF2-40B4-BE49-F238E27FC236}">
-                <a16:creationId xmlns:a16="http://schemas.microsoft.com/office/drawing/2014/main" id="{1755BCCE-B7BD-D27A-AD91-64522E740D70}"/>
+          <p:cNvPr id="7" name="Picture 6">
+            <a:extLst>
+              <a:ext uri="{FF2B5EF4-FFF2-40B4-BE49-F238E27FC236}">
+                <a16:creationId xmlns:a16="http://schemas.microsoft.com/office/drawing/2014/main" id="{745F6107-8D0D-2D9C-D3E3-5499B7F0D88D}"/>
               </a:ext>
             </a:extLst>
           </p:cNvPr>
@@ -4270,72 +4330,20 @@
         </p:blipFill>
         <p:spPr>
           <a:xfrm>
-            <a:off x="643467" y="1622177"/>
-            <a:ext cx="5294716" cy="3613643"/>
+            <a:off x="334562" y="1214846"/>
+            <a:ext cx="5600571" cy="4196828"/>
           </a:xfrm>
           <a:prstGeom prst="rect">
             <a:avLst/>
           </a:prstGeom>
         </p:spPr>
       </p:pic>
-      <p:cxnSp>
-        <p:nvCxnSpPr>
-          <p:cNvPr id="14" name="Straight Connector 13">
-            <a:extLst>
-              <a:ext uri="{FF2B5EF4-FFF2-40B4-BE49-F238E27FC236}">
-                <a16:creationId xmlns:a16="http://schemas.microsoft.com/office/drawing/2014/main" id="{8C730EAB-A532-4295-A302-FB4B90DB9F5E}"/>
-              </a:ext>
-              <a:ext uri="{C183D7F6-B498-43B3-948B-1728B52AA6E4}">
-                <adec:decorative xmlns:adec="http://schemas.microsoft.com/office/drawing/2017/decorative" val="1"/>
-              </a:ext>
-            </a:extLst>
-          </p:cNvPr>
-          <p:cNvCxnSpPr>
-            <a:cxnSpLocks noGrp="1" noRot="1" noChangeAspect="1" noMove="1" noResize="1" noEditPoints="1" noAdjustHandles="1" noChangeArrowheads="1" noChangeShapeType="1"/>
-          </p:cNvCxnSpPr>
-          <p:nvPr>
-            <p:extLst>
-              <p:ext uri="{386F3935-93C4-4BCD-93E2-E3B085C9AB24}">
-                <p16:designElem xmlns:p16="http://schemas.microsoft.com/office/powerpoint/2015/main" val="1"/>
-              </p:ext>
-            </p:extLst>
-          </p:nvPr>
-        </p:nvCxnSpPr>
-        <p:spPr>
-          <a:xfrm>
-            <a:off x="6079958" y="1143000"/>
-            <a:ext cx="0" cy="4572000"/>
-          </a:xfrm>
-          <a:prstGeom prst="line">
-            <a:avLst/>
-          </a:prstGeom>
-          <a:ln>
-            <a:solidFill>
-              <a:srgbClr val="4E4E4E"/>
-            </a:solidFill>
-          </a:ln>
-        </p:spPr>
-        <p:style>
-          <a:lnRef idx="1">
-            <a:schemeClr val="accent1"/>
-          </a:lnRef>
-          <a:fillRef idx="0">
-            <a:schemeClr val="accent1"/>
-          </a:fillRef>
-          <a:effectRef idx="0">
-            <a:schemeClr val="accent1"/>
-          </a:effectRef>
-          <a:fontRef idx="minor">
-            <a:schemeClr val="tx1"/>
-          </a:fontRef>
-        </p:style>
-      </p:cxnSp>
       <p:pic>
         <p:nvPicPr>
-          <p:cNvPr id="5" name="Picture 4" descr="A graph showing the number of numbers and the number of numbers&#10;&#10;Description automatically generated with medium confidence">
-            <a:extLst>
-              <a:ext uri="{FF2B5EF4-FFF2-40B4-BE49-F238E27FC236}">
-                <a16:creationId xmlns:a16="http://schemas.microsoft.com/office/drawing/2014/main" id="{294E521A-7D2F-6115-8160-D43541D3D3D1}"/>
+          <p:cNvPr id="9" name="Picture 8">
+            <a:extLst>
+              <a:ext uri="{FF2B5EF4-FFF2-40B4-BE49-F238E27FC236}">
+                <a16:creationId xmlns:a16="http://schemas.microsoft.com/office/drawing/2014/main" id="{80771DE5-1840-65FB-5C1E-4C8EC462E7C3}"/>
               </a:ext>
             </a:extLst>
           </p:cNvPr>
@@ -4352,8 +4360,8 @@
         </p:blipFill>
         <p:spPr>
           <a:xfrm>
-            <a:off x="6253817" y="1443482"/>
-            <a:ext cx="5294715" cy="3971036"/>
+            <a:off x="6095999" y="1325779"/>
+            <a:ext cx="5452533" cy="4085895"/>
           </a:xfrm>
           <a:prstGeom prst="rect">
             <a:avLst/>
